--- a/pages/Sample_demo1.pptx
+++ b/pages/Sample_demo1.pptx
@@ -6,7 +6,7 @@
     <p:sldMasterId id="2147484257" r:id="rId2"/>
   </p:sldMasterIdLst>
   <p:notesMasterIdLst>
-    <p:notesMasterId r:id="rId13"/>
+    <p:notesMasterId r:id="rId14"/>
   </p:notesMasterIdLst>
   <p:sldIdLst>
     <p:sldId id="256" r:id="rId3"/>
@@ -19,6 +19,7 @@
     <p:sldId id="261" r:id="rId10"/>
     <p:sldId id="262" r:id="rId11"/>
     <p:sldId id="266" r:id="rId12"/>
+    <p:sldId id="267" r:id="rId13"/>
   </p:sldIdLst>
   <p:sldSz cx="9144000" cy="6858000" type="screen4x3"/>
   <p:notesSz cx="6858000" cy="9144000"/>
@@ -146,10 +147,6 @@
     </p:extLst>
   </p:cmAuthor>
 </p:cmAuthorLst>
-</file>
-
-<file path=ppt/revisionInfo.xml><?xml version="1.0" encoding="utf-8"?>
-<p1510:revInfo xmlns:a="http://schemas.openxmlformats.org/drawingml/2006/main" xmlns:r="http://schemas.openxmlformats.org/officeDocument/2006/relationships" xmlns:p1510="http://schemas.microsoft.com/office/powerpoint/2015/10/main"/>
 </file>
 
 <file path=ppt/charts/chart1.xml><?xml version="1.0" encoding="utf-8"?>
@@ -6327,7 +6324,7 @@
           <a:p>
             <a:fld id="{7403D398-1782-4EF6-BC57-8B1FF256CAAA}" type="datetimeFigureOut">
               <a:rPr lang="he-IL" smtClean="0"/>
-              <a:t>ה'/חשון/תשע"ח</a:t>
+              <a:t>כ"ה/טבת/תשפ"א</a:t>
             </a:fld>
             <a:endParaRPr lang="he-IL"/>
           </a:p>
@@ -6820,7 +6817,7 @@
           <a:p>
             <a:fld id="{C6430DBB-9FD5-43E7-88F1-55A569E9525E}" type="datetimeFigureOut">
               <a:rPr lang="nl-BE" smtClean="0"/>
-              <a:t>25/10/2017</a:t>
+              <a:t>9/01/2021</a:t>
             </a:fld>
             <a:endParaRPr lang="nl-BE"/>
           </a:p>
@@ -6990,7 +6987,7 @@
           <a:p>
             <a:fld id="{C6430DBB-9FD5-43E7-88F1-55A569E9525E}" type="datetimeFigureOut">
               <a:rPr lang="nl-BE" smtClean="0"/>
-              <a:t>25/10/2017</a:t>
+              <a:t>9/01/2021</a:t>
             </a:fld>
             <a:endParaRPr lang="nl-BE"/>
           </a:p>
@@ -7170,7 +7167,7 @@
           <a:p>
             <a:fld id="{C6430DBB-9FD5-43E7-88F1-55A569E9525E}" type="datetimeFigureOut">
               <a:rPr lang="nl-BE" smtClean="0"/>
-              <a:t>25/10/2017</a:t>
+              <a:t>9/01/2021</a:t>
             </a:fld>
             <a:endParaRPr lang="nl-BE"/>
           </a:p>
@@ -7531,7 +7528,7 @@
           <a:p>
             <a:fld id="{C6430DBB-9FD5-43E7-88F1-55A569E9525E}" type="datetimeFigureOut">
               <a:rPr lang="nl-BE" smtClean="0"/>
-              <a:t>25/10/2017</a:t>
+              <a:t>9/01/2021</a:t>
             </a:fld>
             <a:endParaRPr lang="nl-BE"/>
           </a:p>
@@ -14272,7 +14269,7 @@
           <a:p>
             <a:fld id="{C6430DBB-9FD5-43E7-88F1-55A569E9525E}" type="datetimeFigureOut">
               <a:rPr lang="nl-BE" smtClean="0"/>
-              <a:t>25/10/2017</a:t>
+              <a:t>9/01/2021</a:t>
             </a:fld>
             <a:endParaRPr lang="nl-BE"/>
           </a:p>
@@ -14479,7 +14476,7 @@
           <a:p>
             <a:fld id="{C6430DBB-9FD5-43E7-88F1-55A569E9525E}" type="datetimeFigureOut">
               <a:rPr lang="nl-BE" smtClean="0"/>
-              <a:t>25/10/2017</a:t>
+              <a:t>9/01/2021</a:t>
             </a:fld>
             <a:endParaRPr lang="nl-BE"/>
           </a:p>
@@ -21217,7 +21214,7 @@
           <a:p>
             <a:fld id="{C6430DBB-9FD5-43E7-88F1-55A569E9525E}" type="datetimeFigureOut">
               <a:rPr lang="nl-BE" smtClean="0"/>
-              <a:t>25/10/2017</a:t>
+              <a:t>9/01/2021</a:t>
             </a:fld>
             <a:endParaRPr lang="nl-BE"/>
           </a:p>
@@ -21491,7 +21488,7 @@
           <a:p>
             <a:fld id="{C6430DBB-9FD5-43E7-88F1-55A569E9525E}" type="datetimeFigureOut">
               <a:rPr lang="nl-BE" smtClean="0"/>
-              <a:t>25/10/2017</a:t>
+              <a:t>9/01/2021</a:t>
             </a:fld>
             <a:endParaRPr lang="nl-BE"/>
           </a:p>
@@ -21894,7 +21891,7 @@
           <a:p>
             <a:fld id="{C6430DBB-9FD5-43E7-88F1-55A569E9525E}" type="datetimeFigureOut">
               <a:rPr lang="nl-BE" smtClean="0"/>
-              <a:t>25/10/2017</a:t>
+              <a:t>9/01/2021</a:t>
             </a:fld>
             <a:endParaRPr lang="nl-BE"/>
           </a:p>
@@ -22012,7 +22009,7 @@
           <a:p>
             <a:fld id="{C6430DBB-9FD5-43E7-88F1-55A569E9525E}" type="datetimeFigureOut">
               <a:rPr lang="nl-BE" smtClean="0"/>
-              <a:t>25/10/2017</a:t>
+              <a:t>9/01/2021</a:t>
             </a:fld>
             <a:endParaRPr lang="nl-BE"/>
           </a:p>
@@ -22121,7 +22118,7 @@
           <a:p>
             <a:fld id="{C6430DBB-9FD5-43E7-88F1-55A569E9525E}" type="datetimeFigureOut">
               <a:rPr lang="nl-BE" smtClean="0"/>
-              <a:t>25/10/2017</a:t>
+              <a:t>9/01/2021</a:t>
             </a:fld>
             <a:endParaRPr lang="nl-BE"/>
           </a:p>
@@ -22291,7 +22288,7 @@
           <a:p>
             <a:fld id="{C6430DBB-9FD5-43E7-88F1-55A569E9525E}" type="datetimeFigureOut">
               <a:rPr lang="nl-BE" smtClean="0"/>
-              <a:t>25/10/2017</a:t>
+              <a:t>9/01/2021</a:t>
             </a:fld>
             <a:endParaRPr lang="nl-BE"/>
           </a:p>
@@ -22583,7 +22580,7 @@
           <a:p>
             <a:fld id="{C6430DBB-9FD5-43E7-88F1-55A569E9525E}" type="datetimeFigureOut">
               <a:rPr lang="nl-BE" smtClean="0"/>
-              <a:t>25/10/2017</a:t>
+              <a:t>9/01/2021</a:t>
             </a:fld>
             <a:endParaRPr lang="nl-BE"/>
           </a:p>
@@ -22863,7 +22860,7 @@
           <a:p>
             <a:fld id="{C6430DBB-9FD5-43E7-88F1-55A569E9525E}" type="datetimeFigureOut">
               <a:rPr lang="nl-BE" smtClean="0"/>
-              <a:t>25/10/2017</a:t>
+              <a:t>9/01/2021</a:t>
             </a:fld>
             <a:endParaRPr lang="nl-BE"/>
           </a:p>
@@ -23068,7 +23065,7 @@
           <a:p>
             <a:fld id="{C6430DBB-9FD5-43E7-88F1-55A569E9525E}" type="datetimeFigureOut">
               <a:rPr lang="nl-BE" smtClean="0"/>
-              <a:t>25/10/2017</a:t>
+              <a:t>9/01/2021</a:t>
             </a:fld>
             <a:endParaRPr lang="nl-BE"/>
           </a:p>
@@ -23248,7 +23245,7 @@
           <a:p>
             <a:fld id="{C6430DBB-9FD5-43E7-88F1-55A569E9525E}" type="datetimeFigureOut">
               <a:rPr lang="nl-BE" smtClean="0"/>
-              <a:t>25/10/2017</a:t>
+              <a:t>9/01/2021</a:t>
             </a:fld>
             <a:endParaRPr lang="nl-BE"/>
           </a:p>
@@ -23412,7 +23409,7 @@
           <a:p>
             <a:fld id="{C6430DBB-9FD5-43E7-88F1-55A569E9525E}" type="datetimeFigureOut">
               <a:rPr lang="nl-BE" smtClean="0"/>
-              <a:t>25/10/2017</a:t>
+              <a:t>9/01/2021</a:t>
             </a:fld>
             <a:endParaRPr lang="nl-BE"/>
           </a:p>
@@ -23675,7 +23672,7 @@
           <a:p>
             <a:fld id="{C6430DBB-9FD5-43E7-88F1-55A569E9525E}" type="datetimeFigureOut">
               <a:rPr lang="nl-BE" smtClean="0"/>
-              <a:t>25/10/2017</a:t>
+              <a:t>9/01/2021</a:t>
             </a:fld>
             <a:endParaRPr lang="nl-BE"/>
           </a:p>
@@ -23907,7 +23904,7 @@
           <a:p>
             <a:fld id="{C6430DBB-9FD5-43E7-88F1-55A569E9525E}" type="datetimeFigureOut">
               <a:rPr lang="nl-BE" smtClean="0"/>
-              <a:t>25/10/2017</a:t>
+              <a:t>9/01/2021</a:t>
             </a:fld>
             <a:endParaRPr lang="nl-BE"/>
           </a:p>
@@ -24254,7 +24251,7 @@
           <a:p>
             <a:fld id="{C6430DBB-9FD5-43E7-88F1-55A569E9525E}" type="datetimeFigureOut">
               <a:rPr lang="nl-BE" smtClean="0"/>
-              <a:t>25/10/2017</a:t>
+              <a:t>9/01/2021</a:t>
             </a:fld>
             <a:endParaRPr lang="nl-BE"/>
           </a:p>
@@ -24372,7 +24369,7 @@
           <a:p>
             <a:fld id="{C6430DBB-9FD5-43E7-88F1-55A569E9525E}" type="datetimeFigureOut">
               <a:rPr lang="nl-BE" smtClean="0"/>
-              <a:t>25/10/2017</a:t>
+              <a:t>9/01/2021</a:t>
             </a:fld>
             <a:endParaRPr lang="nl-BE"/>
           </a:p>
@@ -24490,7 +24487,7 @@
           <a:p>
             <a:fld id="{C6430DBB-9FD5-43E7-88F1-55A569E9525E}" type="datetimeFigureOut">
               <a:rPr lang="nl-BE" smtClean="0"/>
-              <a:t>25/10/2017</a:t>
+              <a:t>9/01/2021</a:t>
             </a:fld>
             <a:endParaRPr lang="nl-BE"/>
           </a:p>
@@ -24774,7 +24771,7 @@
           <a:p>
             <a:fld id="{C6430DBB-9FD5-43E7-88F1-55A569E9525E}" type="datetimeFigureOut">
               <a:rPr lang="nl-BE" smtClean="0"/>
-              <a:t>25/10/2017</a:t>
+              <a:t>9/01/2021</a:t>
             </a:fld>
             <a:endParaRPr lang="nl-BE"/>
           </a:p>
@@ -25038,7 +25035,7 @@
           <a:p>
             <a:fld id="{C6430DBB-9FD5-43E7-88F1-55A569E9525E}" type="datetimeFigureOut">
               <a:rPr lang="nl-BE" smtClean="0"/>
-              <a:t>25/10/2017</a:t>
+              <a:t>9/01/2021</a:t>
             </a:fld>
             <a:endParaRPr lang="nl-BE"/>
           </a:p>
@@ -25261,7 +25258,7 @@
           <a:p>
             <a:fld id="{C6430DBB-9FD5-43E7-88F1-55A569E9525E}" type="datetimeFigureOut">
               <a:rPr lang="nl-BE" smtClean="0"/>
-              <a:t>25/10/2017</a:t>
+              <a:t>9/01/2021</a:t>
             </a:fld>
             <a:endParaRPr lang="nl-BE"/>
           </a:p>
@@ -25802,7 +25799,7 @@
           <a:p>
             <a:fld id="{C6430DBB-9FD5-43E7-88F1-55A569E9525E}" type="datetimeFigureOut">
               <a:rPr lang="nl-BE" smtClean="0"/>
-              <a:t>25/10/2017</a:t>
+              <a:t>9/01/2021</a:t>
             </a:fld>
             <a:endParaRPr lang="nl-BE"/>
           </a:p>
@@ -26946,37 +26943,37 @@
                       <m:jc m:val="centerGroup"/>
                     </m:oMathParaPr>
                     <m:oMath xmlns:m="http://schemas.openxmlformats.org/officeDocument/2006/math">
-                      <a:fld id="{F0073946-9E88-4CFE-A312-820DBB2DA4CA}" type="mathplaceholder">
+                      <a:fld id="{825F15A7-03F4-43D7-82C5-3E23DA2F108C}" type="mathplaceholder">
                         <a:rPr lang="he-IL" i="1" smtClean="0">
                           <a:latin typeface="Cambria Math" panose="02040503050406030204" pitchFamily="18" charset="0"/>
                         </a:rPr>
                         <a:t>הקלד</a:t>
                       </a:fld>
-                      <a:fld id="{D4B29334-554E-4757-80FC-DB1BA74DE157}" type="mathplaceholder">
+                      <a:fld id="{825F15A7-03F4-43D7-82C5-3E23DA2F108C}" type="mathplaceholder">
                         <a:rPr lang="he-IL" i="1" smtClean="0">
                           <a:latin typeface="Cambria Math" panose="02040503050406030204" pitchFamily="18" charset="0"/>
                         </a:rPr>
                         <a:t> </a:t>
                       </a:fld>
-                      <a:fld id="{238A448D-6555-4A7D-AEC5-F0AD363B0CB5}" type="mathplaceholder">
+                      <a:fld id="{825F15A7-03F4-43D7-82C5-3E23DA2F108C}" type="mathplaceholder">
                         <a:rPr lang="he-IL" i="1" smtClean="0">
                           <a:latin typeface="Cambria Math" panose="02040503050406030204" pitchFamily="18" charset="0"/>
                         </a:rPr>
                         <a:t>משוואה</a:t>
                       </a:fld>
-                      <a:fld id="{CBC1781F-B177-43F3-8669-E045693CF538}" type="mathplaceholder">
+                      <a:fld id="{825F15A7-03F4-43D7-82C5-3E23DA2F108C}" type="mathplaceholder">
                         <a:rPr lang="he-IL" i="1" smtClean="0">
                           <a:latin typeface="Cambria Math" panose="02040503050406030204" pitchFamily="18" charset="0"/>
                         </a:rPr>
                         <a:t> </a:t>
                       </a:fld>
-                      <a:fld id="{DD7001A5-BD7B-4527-BB3D-1D95E8BB3F7E}" type="mathplaceholder">
+                      <a:fld id="{825F15A7-03F4-43D7-82C5-3E23DA2F108C}" type="mathplaceholder">
                         <a:rPr lang="he-IL" i="1" smtClean="0">
                           <a:latin typeface="Cambria Math" panose="02040503050406030204" pitchFamily="18" charset="0"/>
                         </a:rPr>
                         <a:t>כאן</a:t>
                       </a:fld>
-                      <a:fld id="{86B754A1-F6BE-4D8B-9D83-A1ED85310FD0}" type="mathplaceholder">
+                      <a:fld id="{825F15A7-03F4-43D7-82C5-3E23DA2F108C}" type="mathplaceholder">
                         <a:rPr lang="he-IL" i="1" smtClean="0">
                           <a:latin typeface="Cambria Math" panose="02040503050406030204" pitchFamily="18" charset="0"/>
                         </a:rPr>
@@ -27309,6 +27306,451 @@
   <p:clrMapOvr>
     <a:masterClrMapping/>
   </p:clrMapOvr>
+</p:sld>
+</file>
+
+<file path=ppt/slides/slide11.xml><?xml version="1.0" encoding="utf-8"?>
+<p:sld xmlns:a="http://schemas.openxmlformats.org/drawingml/2006/main" xmlns:r="http://schemas.openxmlformats.org/officeDocument/2006/relationships" xmlns:p="http://schemas.openxmlformats.org/presentationml/2006/main">
+  <p:cSld>
+    <p:spTree>
+      <p:nvGrpSpPr>
+        <p:cNvPr id="1" name=""/>
+        <p:cNvGrpSpPr/>
+        <p:nvPr/>
+      </p:nvGrpSpPr>
+      <p:grpSpPr>
+        <a:xfrm>
+          <a:off x="0" y="0"/>
+          <a:ext cx="0" cy="0"/>
+          <a:chOff x="0" y="0"/>
+          <a:chExt cx="0" cy="0"/>
+        </a:xfrm>
+      </p:grpSpPr>
+      <p:sp>
+        <p:nvSpPr>
+          <p:cNvPr id="2" name="כותרת 1">
+            <a:extLst>
+              <a:ext uri="{FF2B5EF4-FFF2-40B4-BE49-F238E27FC236}">
+                <a16:creationId xmlns:a16="http://schemas.microsoft.com/office/drawing/2014/main" id="{16E3F679-BA4F-4667-94BA-89E67B1D2326}"/>
+              </a:ext>
+            </a:extLst>
+          </p:cNvPr>
+          <p:cNvSpPr>
+            <a:spLocks noGrp="1"/>
+          </p:cNvSpPr>
+          <p:nvPr>
+            <p:ph type="title"/>
+          </p:nvPr>
+        </p:nvSpPr>
+        <p:spPr>
+          <a:xfrm>
+            <a:off x="1599589" y="56492"/>
+            <a:ext cx="5829300" cy="633838"/>
+          </a:xfrm>
+        </p:spPr>
+        <p:txBody>
+          <a:bodyPr>
+            <a:normAutofit fontScale="90000"/>
+          </a:bodyPr>
+          <a:lstStyle/>
+          <a:p>
+            <a:pPr algn="ctr"/>
+            <a:r>
+              <a:rPr lang="en-US" dirty="0"/>
+              <a:t>Video</a:t>
+            </a:r>
+            <a:endParaRPr lang="he-IL" dirty="0"/>
+          </a:p>
+        </p:txBody>
+      </p:sp>
+      <p:pic>
+        <p:nvPicPr>
+          <p:cNvPr id="5" name="מדיה מקוונת 2" title="The Weeknd - Blinding Lights (Official Music Video)">
+            <a:hlinkClick r:id="" action="ppaction://media"/>
+            <a:extLst>
+              <a:ext uri="{FF2B5EF4-FFF2-40B4-BE49-F238E27FC236}">
+                <a16:creationId xmlns:a16="http://schemas.microsoft.com/office/drawing/2014/main" id="{C1F6952F-52CC-4A1E-8C40-836FD85F89DE}"/>
+              </a:ext>
+            </a:extLst>
+          </p:cNvPr>
+          <p:cNvPicPr>
+            <a:picLocks noRot="1" noChangeAspect="1"/>
+          </p:cNvPicPr>
+          <p:nvPr>
+            <a:videoFile r:link="rId1"/>
+          </p:nvPr>
+        </p:nvPicPr>
+        <p:blipFill>
+          <a:blip r:embed="rId4"/>
+          <a:stretch>
+            <a:fillRect/>
+          </a:stretch>
+        </p:blipFill>
+        <p:spPr>
+          <a:xfrm>
+            <a:off x="661487" y="799329"/>
+            <a:ext cx="4702667" cy="2657007"/>
+          </a:xfrm>
+          <a:prstGeom prst="rect">
+            <a:avLst/>
+          </a:prstGeom>
+        </p:spPr>
+      </p:pic>
+      <p:sp>
+        <p:nvSpPr>
+          <p:cNvPr id="6" name="תיבת טקסט 5">
+            <a:extLst>
+              <a:ext uri="{FF2B5EF4-FFF2-40B4-BE49-F238E27FC236}">
+                <a16:creationId xmlns:a16="http://schemas.microsoft.com/office/drawing/2014/main" id="{48746564-4748-44B2-9FA1-C154F3E7CA57}"/>
+              </a:ext>
+            </a:extLst>
+          </p:cNvPr>
+          <p:cNvSpPr txBox="1"/>
+          <p:nvPr/>
+        </p:nvSpPr>
+        <p:spPr>
+          <a:xfrm>
+            <a:off x="5569946" y="2127832"/>
+            <a:ext cx="1717819" cy="646331"/>
+          </a:xfrm>
+          <a:prstGeom prst="rect">
+            <a:avLst/>
+          </a:prstGeom>
+          <a:noFill/>
+        </p:spPr>
+        <p:txBody>
+          <a:bodyPr wrap="square" rtlCol="1">
+            <a:spAutoFit/>
+          </a:bodyPr>
+          <a:lstStyle/>
+          <a:p>
+            <a:r>
+              <a:rPr lang="en-US" sz="3600" dirty="0"/>
+              <a:t>YouTube</a:t>
+            </a:r>
+            <a:endParaRPr lang="he-IL" sz="3600" dirty="0"/>
+          </a:p>
+        </p:txBody>
+      </p:sp>
+      <p:pic>
+        <p:nvPicPr>
+          <p:cNvPr id="7" name="מדיה מקוונת 4" title="The Weeknd – Blinding Lights">
+            <a:hlinkClick r:id="" action="ppaction://media"/>
+            <a:extLst>
+              <a:ext uri="{FF2B5EF4-FFF2-40B4-BE49-F238E27FC236}">
+                <a16:creationId xmlns:a16="http://schemas.microsoft.com/office/drawing/2014/main" id="{464FCF46-79B3-4706-8C57-45CF2D667362}"/>
+              </a:ext>
+            </a:extLst>
+          </p:cNvPr>
+          <p:cNvPicPr>
+            <a:picLocks noRot="1" noChangeAspect="1"/>
+          </p:cNvPicPr>
+          <p:nvPr>
+            <a:videoFile r:link="rId2"/>
+          </p:nvPr>
+        </p:nvPicPr>
+        <p:blipFill>
+          <a:blip r:embed="rId5"/>
+          <a:stretch>
+            <a:fillRect/>
+          </a:stretch>
+        </p:blipFill>
+        <p:spPr>
+          <a:xfrm>
+            <a:off x="628277" y="3997658"/>
+            <a:ext cx="4716187" cy="2657007"/>
+          </a:xfrm>
+          <a:prstGeom prst="rect">
+            <a:avLst/>
+          </a:prstGeom>
+        </p:spPr>
+      </p:pic>
+      <p:sp>
+        <p:nvSpPr>
+          <p:cNvPr id="8" name="תיבת טקסט 7">
+            <a:extLst>
+              <a:ext uri="{FF2B5EF4-FFF2-40B4-BE49-F238E27FC236}">
+                <a16:creationId xmlns:a16="http://schemas.microsoft.com/office/drawing/2014/main" id="{513C2CAF-D62E-4B89-A198-9BED01C76ABF}"/>
+              </a:ext>
+            </a:extLst>
+          </p:cNvPr>
+          <p:cNvSpPr txBox="1"/>
+          <p:nvPr/>
+        </p:nvSpPr>
+        <p:spPr>
+          <a:xfrm>
+            <a:off x="5518846" y="5074071"/>
+            <a:ext cx="1717819" cy="769441"/>
+          </a:xfrm>
+          <a:prstGeom prst="rect">
+            <a:avLst/>
+          </a:prstGeom>
+          <a:noFill/>
+        </p:spPr>
+        <p:txBody>
+          <a:bodyPr wrap="square" rtlCol="1">
+            <a:spAutoFit/>
+          </a:bodyPr>
+          <a:lstStyle/>
+          <a:p>
+            <a:r>
+              <a:rPr lang="en-US" sz="4400" dirty="0" err="1"/>
+              <a:t>vimeo</a:t>
+            </a:r>
+            <a:endParaRPr lang="he-IL" sz="3600" dirty="0"/>
+          </a:p>
+        </p:txBody>
+      </p:sp>
+    </p:spTree>
+    <p:extLst>
+      <p:ext uri="{BB962C8B-B14F-4D97-AF65-F5344CB8AC3E}">
+        <p14:creationId xmlns:p14="http://schemas.microsoft.com/office/powerpoint/2010/main" val="2831202243"/>
+      </p:ext>
+    </p:extLst>
+  </p:cSld>
+  <p:clrMapOvr>
+    <a:masterClrMapping/>
+  </p:clrMapOvr>
+  <p:timing>
+    <p:tnLst>
+      <p:par>
+        <p:cTn id="1" dur="indefinite" restart="never" nodeType="tmRoot">
+          <p:childTnLst>
+            <p:seq concurrent="1" nextAc="seek">
+              <p:cTn id="2" dur="indefinite" nodeType="mainSeq">
+                <p:childTnLst>
+                  <p:par>
+                    <p:cTn id="3" fill="hold">
+                      <p:stCondLst>
+                        <p:cond delay="indefinite"/>
+                      </p:stCondLst>
+                      <p:childTnLst>
+                        <p:par>
+                          <p:cTn id="4" fill="hold">
+                            <p:stCondLst>
+                              <p:cond delay="0"/>
+                            </p:stCondLst>
+                            <p:childTnLst>
+                              <p:par>
+                                <p:cTn id="5" presetID="1" presetClass="mediacall" presetSubtype="0" fill="hold" nodeType="clickEffect">
+                                  <p:stCondLst>
+                                    <p:cond delay="0"/>
+                                  </p:stCondLst>
+                                  <p:childTnLst>
+                                    <p:cmd type="call" cmd="playFrom(0.0)">
+                                      <p:cBhvr>
+                                        <p:cTn id="6" dur="1" fill="hold"/>
+                                        <p:tgtEl>
+                                          <p:spTgt spid="5"/>
+                                        </p:tgtEl>
+                                      </p:cBhvr>
+                                    </p:cmd>
+                                  </p:childTnLst>
+                                </p:cTn>
+                              </p:par>
+                            </p:childTnLst>
+                          </p:cTn>
+                        </p:par>
+                      </p:childTnLst>
+                    </p:cTn>
+                  </p:par>
+                  <p:par>
+                    <p:cTn id="7" fill="hold">
+                      <p:stCondLst>
+                        <p:cond delay="indefinite"/>
+                      </p:stCondLst>
+                      <p:childTnLst>
+                        <p:par>
+                          <p:cTn id="8" fill="hold">
+                            <p:stCondLst>
+                              <p:cond delay="0"/>
+                            </p:stCondLst>
+                            <p:childTnLst>
+                              <p:par>
+                                <p:cTn id="9" presetID="1" presetClass="mediacall" presetSubtype="0" fill="hold" nodeType="clickEffect">
+                                  <p:stCondLst>
+                                    <p:cond delay="0"/>
+                                  </p:stCondLst>
+                                  <p:childTnLst>
+                                    <p:cmd type="call" cmd="playFrom(0.0)">
+                                      <p:cBhvr>
+                                        <p:cTn id="10" dur="1" fill="hold"/>
+                                        <p:tgtEl>
+                                          <p:spTgt spid="7"/>
+                                        </p:tgtEl>
+                                      </p:cBhvr>
+                                    </p:cmd>
+                                  </p:childTnLst>
+                                </p:cTn>
+                              </p:par>
+                            </p:childTnLst>
+                          </p:cTn>
+                        </p:par>
+                      </p:childTnLst>
+                    </p:cTn>
+                  </p:par>
+                </p:childTnLst>
+              </p:cTn>
+              <p:prevCondLst>
+                <p:cond evt="onPrev" delay="0">
+                  <p:tgtEl>
+                    <p:sldTgt/>
+                  </p:tgtEl>
+                </p:cond>
+              </p:prevCondLst>
+              <p:nextCondLst>
+                <p:cond evt="onNext" delay="0">
+                  <p:tgtEl>
+                    <p:sldTgt/>
+                  </p:tgtEl>
+                </p:cond>
+              </p:nextCondLst>
+            </p:seq>
+            <p:seq concurrent="1" nextAc="seek">
+              <p:cTn id="11" restart="whenNotActive" fill="hold" evtFilter="cancelBubble" nodeType="interactiveSeq">
+                <p:stCondLst>
+                  <p:cond evt="onClick" delay="0">
+                    <p:tgtEl>
+                      <p:spTgt spid="5"/>
+                    </p:tgtEl>
+                  </p:cond>
+                </p:stCondLst>
+                <p:endSync evt="end" delay="0">
+                  <p:rtn val="all"/>
+                </p:endSync>
+                <p:childTnLst>
+                  <p:par>
+                    <p:cTn id="12" fill="hold">
+                      <p:stCondLst>
+                        <p:cond delay="0"/>
+                      </p:stCondLst>
+                      <p:childTnLst>
+                        <p:par>
+                          <p:cTn id="13" fill="hold">
+                            <p:stCondLst>
+                              <p:cond delay="0"/>
+                            </p:stCondLst>
+                            <p:childTnLst>
+                              <p:par>
+                                <p:cTn id="14" presetID="2" presetClass="mediacall" presetSubtype="0" fill="hold" nodeType="clickEffect">
+                                  <p:stCondLst>
+                                    <p:cond delay="0"/>
+                                  </p:stCondLst>
+                                  <p:childTnLst>
+                                    <p:cmd type="call" cmd="togglePause">
+                                      <p:cBhvr>
+                                        <p:cTn id="15" dur="1" fill="hold"/>
+                                        <p:tgtEl>
+                                          <p:spTgt spid="5"/>
+                                        </p:tgtEl>
+                                      </p:cBhvr>
+                                    </p:cmd>
+                                  </p:childTnLst>
+                                </p:cTn>
+                              </p:par>
+                            </p:childTnLst>
+                          </p:cTn>
+                        </p:par>
+                      </p:childTnLst>
+                    </p:cTn>
+                  </p:par>
+                </p:childTnLst>
+              </p:cTn>
+              <p:nextCondLst>
+                <p:cond evt="onClick" delay="0">
+                  <p:tgtEl>
+                    <p:spTgt spid="5"/>
+                  </p:tgtEl>
+                </p:cond>
+              </p:nextCondLst>
+            </p:seq>
+            <p:seq concurrent="1" nextAc="seek">
+              <p:cTn id="16" restart="whenNotActive" fill="hold" evtFilter="cancelBubble" nodeType="interactiveSeq">
+                <p:stCondLst>
+                  <p:cond evt="onClick" delay="0">
+                    <p:tgtEl>
+                      <p:spTgt spid="7"/>
+                    </p:tgtEl>
+                  </p:cond>
+                </p:stCondLst>
+                <p:endSync evt="end" delay="0">
+                  <p:rtn val="all"/>
+                </p:endSync>
+                <p:childTnLst>
+                  <p:par>
+                    <p:cTn id="17" fill="hold">
+                      <p:stCondLst>
+                        <p:cond delay="0"/>
+                      </p:stCondLst>
+                      <p:childTnLst>
+                        <p:par>
+                          <p:cTn id="18" fill="hold">
+                            <p:stCondLst>
+                              <p:cond delay="0"/>
+                            </p:stCondLst>
+                            <p:childTnLst>
+                              <p:par>
+                                <p:cTn id="19" presetID="2" presetClass="mediacall" presetSubtype="0" fill="hold" nodeType="clickEffect">
+                                  <p:stCondLst>
+                                    <p:cond delay="0"/>
+                                  </p:stCondLst>
+                                  <p:childTnLst>
+                                    <p:cmd type="call" cmd="togglePause">
+                                      <p:cBhvr>
+                                        <p:cTn id="20" dur="1" fill="hold"/>
+                                        <p:tgtEl>
+                                          <p:spTgt spid="7"/>
+                                        </p:tgtEl>
+                                      </p:cBhvr>
+                                    </p:cmd>
+                                  </p:childTnLst>
+                                </p:cTn>
+                              </p:par>
+                            </p:childTnLst>
+                          </p:cTn>
+                        </p:par>
+                      </p:childTnLst>
+                    </p:cTn>
+                  </p:par>
+                </p:childTnLst>
+              </p:cTn>
+              <p:nextCondLst>
+                <p:cond evt="onClick" delay="0">
+                  <p:tgtEl>
+                    <p:spTgt spid="7"/>
+                  </p:tgtEl>
+                </p:cond>
+              </p:nextCondLst>
+            </p:seq>
+            <p:video>
+              <p:cMediaNode vol="80000">
+                <p:cTn id="21" fill="hold" display="0">
+                  <p:stCondLst>
+                    <p:cond delay="indefinite"/>
+                  </p:stCondLst>
+                </p:cTn>
+                <p:tgtEl>
+                  <p:spTgt spid="5"/>
+                </p:tgtEl>
+              </p:cMediaNode>
+            </p:video>
+            <p:video>
+              <p:cMediaNode vol="80000">
+                <p:cTn id="22" fill="hold" display="0">
+                  <p:stCondLst>
+                    <p:cond delay="indefinite"/>
+                  </p:stCondLst>
+                </p:cTn>
+                <p:tgtEl>
+                  <p:spTgt spid="7"/>
+                </p:tgtEl>
+              </p:cMediaNode>
+            </p:video>
+          </p:childTnLst>
+        </p:cTn>
+      </p:par>
+    </p:tnLst>
+  </p:timing>
 </p:sld>
 </file>
 
